--- a/slides/cds431_week5_2.pptx
+++ b/slides/cds431_week5_2.pptx
@@ -5,7 +5,7 @@
     <p:sldMasterId id="2147483648" r:id="rId1"/>
   </p:sldMasterIdLst>
   <p:notesMasterIdLst>
-    <p:notesMasterId r:id="rId32"/>
+    <p:notesMasterId r:id="rId31"/>
   </p:notesMasterIdLst>
   <p:sldIdLst>
     <p:sldId id="406" r:id="rId2"/>
@@ -24,20 +24,19 @@
     <p:sldId id="336" r:id="rId15"/>
     <p:sldId id="337" r:id="rId16"/>
     <p:sldId id="338" r:id="rId17"/>
-    <p:sldId id="339" r:id="rId18"/>
-    <p:sldId id="340" r:id="rId19"/>
-    <p:sldId id="341" r:id="rId20"/>
-    <p:sldId id="407" r:id="rId21"/>
-    <p:sldId id="442" r:id="rId22"/>
-    <p:sldId id="345" r:id="rId23"/>
-    <p:sldId id="510" r:id="rId24"/>
-    <p:sldId id="349" r:id="rId25"/>
-    <p:sldId id="598" r:id="rId26"/>
-    <p:sldId id="512" r:id="rId27"/>
-    <p:sldId id="513" r:id="rId28"/>
-    <p:sldId id="514" r:id="rId29"/>
-    <p:sldId id="515" r:id="rId30"/>
-    <p:sldId id="517" r:id="rId31"/>
+    <p:sldId id="340" r:id="rId18"/>
+    <p:sldId id="341" r:id="rId19"/>
+    <p:sldId id="407" r:id="rId20"/>
+    <p:sldId id="442" r:id="rId21"/>
+    <p:sldId id="345" r:id="rId22"/>
+    <p:sldId id="510" r:id="rId23"/>
+    <p:sldId id="349" r:id="rId24"/>
+    <p:sldId id="598" r:id="rId25"/>
+    <p:sldId id="512" r:id="rId26"/>
+    <p:sldId id="513" r:id="rId27"/>
+    <p:sldId id="514" r:id="rId28"/>
+    <p:sldId id="515" r:id="rId29"/>
+    <p:sldId id="517" r:id="rId30"/>
   </p:sldIdLst>
   <p:sldSz cx="12192000" cy="6858000"/>
   <p:notesSz cx="6858000" cy="9144000"/>
@@ -3808,12 +3807,12 @@
         <a:fontRef idx="minor"/>
       </dsp:style>
       <dsp:txBody>
-        <a:bodyPr spcFirstLastPara="0" vert="horz" wrap="square" lIns="30480" tIns="30480" rIns="30480" bIns="30480" numCol="1" spcCol="1270" anchor="ctr" anchorCtr="0">
+        <a:bodyPr spcFirstLastPara="0" vert="horz" wrap="square" lIns="31750" tIns="31750" rIns="31750" bIns="31750" numCol="1" spcCol="1270" anchor="ctr" anchorCtr="0">
           <a:noAutofit/>
         </a:bodyPr>
         <a:lstStyle/>
         <a:p>
-          <a:pPr marL="0" lvl="0" indent="0" algn="ctr" defTabSz="1066800">
+          <a:pPr marL="0" lvl="0" indent="0" algn="ctr" defTabSz="1111250">
             <a:lnSpc>
               <a:spcPct val="90000"/>
             </a:lnSpc>
@@ -3826,7 +3825,7 @@
             <a:buNone/>
           </a:pPr>
           <a:r>
-            <a:rPr lang="en-US" sz="2400" b="1" kern="1200"/>
+            <a:rPr lang="en-US" sz="2500" b="1" kern="1200"/>
             <a:t>Assessment</a:t>
           </a:r>
         </a:p>
@@ -3945,12 +3944,12 @@
         <a:fontRef idx="minor"/>
       </dsp:style>
       <dsp:txBody>
-        <a:bodyPr spcFirstLastPara="0" vert="horz" wrap="square" lIns="30480" tIns="30480" rIns="30480" bIns="30480" numCol="1" spcCol="1270" anchor="ctr" anchorCtr="0">
+        <a:bodyPr spcFirstLastPara="0" vert="horz" wrap="square" lIns="31750" tIns="31750" rIns="31750" bIns="31750" numCol="1" spcCol="1270" anchor="ctr" anchorCtr="0">
           <a:noAutofit/>
         </a:bodyPr>
         <a:lstStyle/>
         <a:p>
-          <a:pPr marL="0" lvl="0" indent="0" algn="ctr" defTabSz="1066800">
+          <a:pPr marL="0" lvl="0" indent="0" algn="ctr" defTabSz="1111250">
             <a:lnSpc>
               <a:spcPct val="90000"/>
             </a:lnSpc>
@@ -3963,7 +3962,7 @@
             <a:buNone/>
           </a:pPr>
           <a:r>
-            <a:rPr lang="en-US" sz="2400" b="1" kern="1200">
+            <a:rPr lang="en-US" sz="2500" b="1" kern="1200">
               <a:solidFill>
                 <a:srgbClr val="FF0000"/>
               </a:solidFill>
@@ -4086,12 +4085,12 @@
         <a:fontRef idx="minor"/>
       </dsp:style>
       <dsp:txBody>
-        <a:bodyPr spcFirstLastPara="0" vert="horz" wrap="square" lIns="30480" tIns="30480" rIns="30480" bIns="30480" numCol="1" spcCol="1270" anchor="ctr" anchorCtr="0">
+        <a:bodyPr spcFirstLastPara="0" vert="horz" wrap="square" lIns="31750" tIns="31750" rIns="31750" bIns="31750" numCol="1" spcCol="1270" anchor="ctr" anchorCtr="0">
           <a:noAutofit/>
         </a:bodyPr>
         <a:lstStyle/>
         <a:p>
-          <a:pPr marL="0" lvl="0" indent="0" algn="ctr" defTabSz="1066800">
+          <a:pPr marL="0" lvl="0" indent="0" algn="ctr" defTabSz="1111250">
             <a:lnSpc>
               <a:spcPct val="90000"/>
             </a:lnSpc>
@@ -4104,7 +4103,7 @@
             <a:buNone/>
           </a:pPr>
           <a:r>
-            <a:rPr lang="en-US" sz="2400" b="1" kern="1200"/>
+            <a:rPr lang="en-US" sz="2500" b="1" kern="1200"/>
             <a:t>Treatment</a:t>
           </a:r>
         </a:p>
@@ -4210,8 +4209,8 @@
       </dsp:nvSpPr>
       <dsp:spPr>
         <a:xfrm>
-          <a:off x="0" y="27735"/>
-          <a:ext cx="6172199" cy="655200"/>
+          <a:off x="0" y="15676"/>
+          <a:ext cx="6172199" cy="647595"/>
         </a:xfrm>
         <a:prstGeom prst="roundRect">
           <a:avLst/>
@@ -4284,12 +4283,12 @@
         </a:fontRef>
       </dsp:style>
       <dsp:txBody>
-        <a:bodyPr spcFirstLastPara="0" vert="horz" wrap="square" lIns="106680" tIns="106680" rIns="106680" bIns="106680" numCol="1" spcCol="1270" anchor="ctr" anchorCtr="0">
+        <a:bodyPr spcFirstLastPara="0" vert="horz" wrap="square" lIns="102870" tIns="102870" rIns="102870" bIns="102870" numCol="1" spcCol="1270" anchor="ctr" anchorCtr="0">
           <a:noAutofit/>
         </a:bodyPr>
         <a:lstStyle/>
         <a:p>
-          <a:pPr marL="0" lvl="0" indent="0" algn="l" defTabSz="1244600" rtl="0">
+          <a:pPr marL="0" lvl="0" indent="0" algn="l" defTabSz="1200150" rtl="0">
             <a:lnSpc>
               <a:spcPct val="90000"/>
             </a:lnSpc>
@@ -4302,7 +4301,7 @@
             <a:buNone/>
           </a:pPr>
           <a:r>
-            <a:rPr lang="en-US" sz="2800" kern="1200">
+            <a:rPr lang="en-US" sz="2700" kern="1200">
               <a:solidFill>
                 <a:srgbClr val="7030A0"/>
               </a:solidFill>
@@ -4312,8 +4311,8 @@
         </a:p>
       </dsp:txBody>
       <dsp:txXfrm>
-        <a:off x="31984" y="59719"/>
-        <a:ext cx="6108231" cy="591232"/>
+        <a:off x="31613" y="47289"/>
+        <a:ext cx="6108973" cy="584369"/>
       </dsp:txXfrm>
     </dsp:sp>
     <dsp:sp modelId="{99416BF2-D200-A147-89C5-271799062AB8}">
@@ -4323,8 +4322,8 @@
       </dsp:nvSpPr>
       <dsp:spPr>
         <a:xfrm>
-          <a:off x="0" y="682935"/>
-          <a:ext cx="6172199" cy="1014300"/>
+          <a:off x="0" y="663271"/>
+          <a:ext cx="6172199" cy="1033964"/>
         </a:xfrm>
         <a:prstGeom prst="rect">
           <a:avLst/>
@@ -4348,12 +4347,12 @@
         <a:fontRef idx="minor"/>
       </dsp:style>
       <dsp:txBody>
-        <a:bodyPr spcFirstLastPara="0" vert="horz" wrap="square" lIns="195967" tIns="35560" rIns="199136" bIns="35560" numCol="1" spcCol="1270" anchor="t" anchorCtr="0">
+        <a:bodyPr spcFirstLastPara="0" vert="horz" wrap="square" lIns="195967" tIns="34290" rIns="192024" bIns="34290" numCol="1" spcCol="1270" anchor="t" anchorCtr="0">
           <a:noAutofit/>
         </a:bodyPr>
         <a:lstStyle/>
         <a:p>
-          <a:pPr marL="228600" lvl="1" indent="-228600" algn="l" defTabSz="977900" rtl="0">
+          <a:pPr marL="228600" lvl="1" indent="-228600" algn="l" defTabSz="933450" rtl="0">
             <a:lnSpc>
               <a:spcPct val="90000"/>
             </a:lnSpc>
@@ -4366,12 +4365,12 @@
             <a:buChar char="•"/>
           </a:pPr>
           <a:r>
-            <a:rPr lang="en-US" sz="2200" kern="1200"/>
+            <a:rPr lang="en-US" sz="2100" kern="1200"/>
             <a:t>Achieved during course of therapy</a:t>
           </a:r>
         </a:p>
         <a:p>
-          <a:pPr marL="228600" lvl="1" indent="-228600" algn="l" defTabSz="977900" rtl="0">
+          <a:pPr marL="228600" lvl="1" indent="-228600" algn="l" defTabSz="933450" rtl="0">
             <a:lnSpc>
               <a:spcPct val="90000"/>
             </a:lnSpc>
@@ -4384,14 +4383,14 @@
             <a:buChar char="•"/>
           </a:pPr>
           <a:r>
-            <a:rPr lang="en-US" sz="2200" kern="1200"/>
+            <a:rPr lang="en-US" sz="2100" kern="1200"/>
             <a:t>A statement of what you expect the child or adult to DO</a:t>
           </a:r>
         </a:p>
       </dsp:txBody>
       <dsp:txXfrm>
-        <a:off x="0" y="682935"/>
-        <a:ext cx="6172199" cy="1014300"/>
+        <a:off x="0" y="663271"/>
+        <a:ext cx="6172199" cy="1033964"/>
       </dsp:txXfrm>
     </dsp:sp>
     <dsp:sp modelId="{7E0F3FCE-709D-174C-B1B6-B5B4129AC774}">
@@ -4402,7 +4401,7 @@
       <dsp:spPr>
         <a:xfrm>
           <a:off x="0" y="1697236"/>
-          <a:ext cx="6172199" cy="655200"/>
+          <a:ext cx="6172199" cy="647595"/>
         </a:xfrm>
         <a:prstGeom prst="roundRect">
           <a:avLst/>
@@ -4475,12 +4474,12 @@
         </a:fontRef>
       </dsp:style>
       <dsp:txBody>
-        <a:bodyPr spcFirstLastPara="0" vert="horz" wrap="square" lIns="106680" tIns="106680" rIns="106680" bIns="106680" numCol="1" spcCol="1270" anchor="ctr" anchorCtr="0">
+        <a:bodyPr spcFirstLastPara="0" vert="horz" wrap="square" lIns="102870" tIns="102870" rIns="102870" bIns="102870" numCol="1" spcCol="1270" anchor="ctr" anchorCtr="0">
           <a:noAutofit/>
         </a:bodyPr>
         <a:lstStyle/>
         <a:p>
-          <a:pPr marL="0" lvl="0" indent="0" algn="l" defTabSz="1244600" rtl="0">
+          <a:pPr marL="0" lvl="0" indent="0" algn="l" defTabSz="1200150" rtl="0">
             <a:lnSpc>
               <a:spcPct val="90000"/>
             </a:lnSpc>
@@ -4493,7 +4492,7 @@
             <a:buNone/>
           </a:pPr>
           <a:r>
-            <a:rPr lang="en-US" sz="2800" kern="1200">
+            <a:rPr lang="en-US" sz="2700" kern="1200">
               <a:solidFill>
                 <a:srgbClr val="7030A0"/>
               </a:solidFill>
@@ -4503,8 +4502,8 @@
         </a:p>
       </dsp:txBody>
       <dsp:txXfrm>
-        <a:off x="31984" y="1729220"/>
-        <a:ext cx="6108231" cy="591232"/>
+        <a:off x="31613" y="1728849"/>
+        <a:ext cx="6108973" cy="584369"/>
       </dsp:txXfrm>
     </dsp:sp>
     <dsp:sp modelId="{38204414-D5E7-1D4E-9F10-DE64239B891D}">
@@ -4514,8 +4513,8 @@
       </dsp:nvSpPr>
       <dsp:spPr>
         <a:xfrm>
-          <a:off x="0" y="2352435"/>
-          <a:ext cx="6172199" cy="1014300"/>
+          <a:off x="0" y="2344830"/>
+          <a:ext cx="6172199" cy="1033964"/>
         </a:xfrm>
         <a:prstGeom prst="rect">
           <a:avLst/>
@@ -4539,12 +4538,12 @@
         <a:fontRef idx="minor"/>
       </dsp:style>
       <dsp:txBody>
-        <a:bodyPr spcFirstLastPara="0" vert="horz" wrap="square" lIns="195967" tIns="35560" rIns="199136" bIns="35560" numCol="1" spcCol="1270" anchor="t" anchorCtr="0">
+        <a:bodyPr spcFirstLastPara="0" vert="horz" wrap="square" lIns="195967" tIns="34290" rIns="192024" bIns="34290" numCol="1" spcCol="1270" anchor="t" anchorCtr="0">
           <a:noAutofit/>
         </a:bodyPr>
         <a:lstStyle/>
         <a:p>
-          <a:pPr marL="228600" lvl="1" indent="-228600" algn="l" defTabSz="977900" rtl="0">
+          <a:pPr marL="228600" lvl="1" indent="-228600" algn="l" defTabSz="933450" rtl="0">
             <a:lnSpc>
               <a:spcPct val="90000"/>
             </a:lnSpc>
@@ -4557,12 +4556,12 @@
             <a:buChar char="•"/>
           </a:pPr>
           <a:r>
-            <a:rPr lang="en-US" sz="2200" kern="1200"/>
+            <a:rPr lang="en-US" sz="2100" kern="1200"/>
             <a:t>Steps that will lead to achieving LTG</a:t>
           </a:r>
         </a:p>
         <a:p>
-          <a:pPr marL="228600" lvl="1" indent="-228600" algn="l" defTabSz="977900" rtl="0">
+          <a:pPr marL="228600" lvl="1" indent="-228600" algn="l" defTabSz="933450" rtl="0">
             <a:lnSpc>
               <a:spcPct val="90000"/>
             </a:lnSpc>
@@ -4575,14 +4574,14 @@
             <a:buChar char="•"/>
           </a:pPr>
           <a:r>
-            <a:rPr lang="en-US" sz="2200" kern="1200"/>
+            <a:rPr lang="en-US" sz="2100" kern="1200"/>
             <a:t>Break the goal into parts in order to monitor progress</a:t>
           </a:r>
         </a:p>
       </dsp:txBody>
       <dsp:txXfrm>
-        <a:off x="0" y="2352435"/>
-        <a:ext cx="6172199" cy="1014300"/>
+        <a:off x="0" y="2344830"/>
+        <a:ext cx="6172199" cy="1033964"/>
       </dsp:txXfrm>
     </dsp:sp>
   </dsp:spTree>
@@ -8362,7 +8361,7 @@
           <a:p>
             <a:fld id="{3957E4E1-7DC0-9249-9DFC-988CC734D4A7}" type="datetimeFigureOut">
               <a:rPr lang="en-US" smtClean="0"/>
-              <a:t>1/14/22</a:t>
+              <a:t>4/24/22</a:t>
             </a:fld>
             <a:endParaRPr lang="en-US"/>
           </a:p>
@@ -9069,7 +9068,7 @@
           <a:p>
             <a:fld id="{AA0A589D-B577-494C-AEB5-A5D4F1908003}" type="slidenum">
               <a:rPr lang="en-US" smtClean="0"/>
-              <a:t>22</a:t>
+              <a:t>21</a:t>
             </a:fld>
             <a:endParaRPr lang="en-US"/>
           </a:p>
@@ -9153,7 +9152,7 @@
           <a:p>
             <a:fld id="{AA0A589D-B577-494C-AEB5-A5D4F1908003}" type="slidenum">
               <a:rPr lang="en-US" smtClean="0"/>
-              <a:t>29</a:t>
+              <a:t>28</a:t>
             </a:fld>
             <a:endParaRPr lang="en-US"/>
           </a:p>
@@ -9237,7 +9236,7 @@
           <a:p>
             <a:fld id="{AA0A589D-B577-494C-AEB5-A5D4F1908003}" type="slidenum">
               <a:rPr lang="en-US" smtClean="0"/>
-              <a:t>30</a:t>
+              <a:t>29</a:t>
             </a:fld>
             <a:endParaRPr lang="en-US"/>
           </a:p>
@@ -10216,7 +10215,7 @@
           <a:p>
             <a:fld id="{004A2402-5906-C948-B9C5-E1A0F27D39E1}" type="datetimeFigureOut">
               <a:rPr lang="en-US" smtClean="0"/>
-              <a:t>1/14/22</a:t>
+              <a:t>4/24/22</a:t>
             </a:fld>
             <a:endParaRPr lang="en-US"/>
           </a:p>
@@ -10414,7 +10413,7 @@
           <a:p>
             <a:fld id="{004A2402-5906-C948-B9C5-E1A0F27D39E1}" type="datetimeFigureOut">
               <a:rPr lang="en-US" smtClean="0"/>
-              <a:t>1/14/22</a:t>
+              <a:t>4/24/22</a:t>
             </a:fld>
             <a:endParaRPr lang="en-US"/>
           </a:p>
@@ -10622,7 +10621,7 @@
           <a:p>
             <a:fld id="{004A2402-5906-C948-B9C5-E1A0F27D39E1}" type="datetimeFigureOut">
               <a:rPr lang="en-US" smtClean="0"/>
-              <a:t>1/14/22</a:t>
+              <a:t>4/24/22</a:t>
             </a:fld>
             <a:endParaRPr lang="en-US"/>
           </a:p>
@@ -10820,7 +10819,7 @@
           <a:p>
             <a:fld id="{004A2402-5906-C948-B9C5-E1A0F27D39E1}" type="datetimeFigureOut">
               <a:rPr lang="en-US" smtClean="0"/>
-              <a:t>1/14/22</a:t>
+              <a:t>4/24/22</a:t>
             </a:fld>
             <a:endParaRPr lang="en-US"/>
           </a:p>
@@ -11095,7 +11094,7 @@
           <a:p>
             <a:fld id="{004A2402-5906-C948-B9C5-E1A0F27D39E1}" type="datetimeFigureOut">
               <a:rPr lang="en-US" smtClean="0"/>
-              <a:t>1/14/22</a:t>
+              <a:t>4/24/22</a:t>
             </a:fld>
             <a:endParaRPr lang="en-US"/>
           </a:p>
@@ -11360,7 +11359,7 @@
           <a:p>
             <a:fld id="{004A2402-5906-C948-B9C5-E1A0F27D39E1}" type="datetimeFigureOut">
               <a:rPr lang="en-US" smtClean="0"/>
-              <a:t>1/14/22</a:t>
+              <a:t>4/24/22</a:t>
             </a:fld>
             <a:endParaRPr lang="en-US"/>
           </a:p>
@@ -11772,7 +11771,7 @@
           <a:p>
             <a:fld id="{004A2402-5906-C948-B9C5-E1A0F27D39E1}" type="datetimeFigureOut">
               <a:rPr lang="en-US" smtClean="0"/>
-              <a:t>1/14/22</a:t>
+              <a:t>4/24/22</a:t>
             </a:fld>
             <a:endParaRPr lang="en-US"/>
           </a:p>
@@ -11913,7 +11912,7 @@
           <a:p>
             <a:fld id="{004A2402-5906-C948-B9C5-E1A0F27D39E1}" type="datetimeFigureOut">
               <a:rPr lang="en-US" smtClean="0"/>
-              <a:t>1/14/22</a:t>
+              <a:t>4/24/22</a:t>
             </a:fld>
             <a:endParaRPr lang="en-US"/>
           </a:p>
@@ -12026,7 +12025,7 @@
           <a:p>
             <a:fld id="{004A2402-5906-C948-B9C5-E1A0F27D39E1}" type="datetimeFigureOut">
               <a:rPr lang="en-US" smtClean="0"/>
-              <a:t>1/14/22</a:t>
+              <a:t>4/24/22</a:t>
             </a:fld>
             <a:endParaRPr lang="en-US"/>
           </a:p>
@@ -12337,7 +12336,7 @@
           <a:p>
             <a:fld id="{004A2402-5906-C948-B9C5-E1A0F27D39E1}" type="datetimeFigureOut">
               <a:rPr lang="en-US" smtClean="0"/>
-              <a:t>1/14/22</a:t>
+              <a:t>4/24/22</a:t>
             </a:fld>
             <a:endParaRPr lang="en-US"/>
           </a:p>
@@ -12625,7 +12624,7 @@
           <a:p>
             <a:fld id="{004A2402-5906-C948-B9C5-E1A0F27D39E1}" type="datetimeFigureOut">
               <a:rPr lang="en-US" smtClean="0"/>
-              <a:t>1/14/22</a:t>
+              <a:t>4/24/22</a:t>
             </a:fld>
             <a:endParaRPr lang="en-US"/>
           </a:p>
@@ -12896,7 +12895,7 @@
           <a:p>
             <a:fld id="{004A2402-5906-C948-B9C5-E1A0F27D39E1}" type="datetimeFigureOut">
               <a:rPr lang="en-US" smtClean="0"/>
-              <a:t>1/14/22</a:t>
+              <a:t>4/24/22</a:t>
             </a:fld>
             <a:endParaRPr lang="en-US"/>
           </a:p>
@@ -14099,7 +14098,10 @@
           <a:bodyPr/>
           <a:lstStyle/>
           <a:p>
-            <a:endParaRPr lang="en-US"/>
+            <a:r>
+              <a:rPr lang="en-US" dirty="0"/>
+              <a:t>Video on Jim’s computer</a:t>
+            </a:r>
           </a:p>
         </p:txBody>
       </p:sp>
@@ -14735,14 +14737,12 @@
         </p:nvSpPr>
         <p:spPr>
           <a:xfrm>
-            <a:off x="1645920" y="169184"/>
-            <a:ext cx="8393430" cy="1007587"/>
+            <a:off x="2008094" y="134472"/>
+            <a:ext cx="7886700" cy="1325563"/>
           </a:xfrm>
         </p:spPr>
         <p:txBody>
-          <a:bodyPr>
-            <a:normAutofit fontScale="90000"/>
-          </a:bodyPr>
+          <a:bodyPr/>
           <a:lstStyle/>
           <a:p>
             <a:r>
@@ -14751,7 +14751,7 @@
             </a:r>
             <a:r>
               <a:rPr lang="en-US" b="1" dirty="0"/>
-              <a:t> Intervention- Video</a:t>
+              <a:t> Intervention</a:t>
             </a:r>
             <a:endParaRPr lang="en-US" dirty="0"/>
           </a:p>
@@ -14759,13 +14759,7 @@
       </p:sp>
       <p:sp>
         <p:nvSpPr>
-          <p:cNvPr id="5" name="Content Placeholder 4">
-            <a:extLst>
-              <a:ext uri="{FF2B5EF4-FFF2-40B4-BE49-F238E27FC236}">
-                <a16:creationId xmlns:a16="http://schemas.microsoft.com/office/drawing/2014/main" id="{B327E0E5-8B67-1E4D-9327-A4F5F489C801}"/>
-              </a:ext>
-            </a:extLst>
-          </p:cNvPr>
+          <p:cNvPr id="3" name="Content Placeholder 2"/>
           <p:cNvSpPr>
             <a:spLocks noGrp="1"/>
           </p:cNvSpPr>
@@ -14773,19 +14767,108 @@
             <p:ph idx="1"/>
           </p:nvPr>
         </p:nvSpPr>
-        <p:spPr/>
+        <p:spPr>
+          <a:xfrm>
+            <a:off x="2008094" y="1140438"/>
+            <a:ext cx="8031256" cy="5365376"/>
+          </a:xfrm>
+        </p:spPr>
         <p:txBody>
-          <a:bodyPr/>
+          <a:bodyPr>
+            <a:normAutofit fontScale="92500" lnSpcReduction="20000"/>
+          </a:bodyPr>
           <a:lstStyle/>
           <a:p>
-            <a:endParaRPr lang="en-US"/>
+            <a:r>
+              <a:rPr lang="en-US" sz="2000" b="1" dirty="0"/>
+              <a:t>When should it be implemented, how long will it take?</a:t>
+            </a:r>
+          </a:p>
+          <a:p>
+            <a:pPr lvl="1"/>
+            <a:r>
+              <a:rPr lang="en-US" sz="2000" dirty="0"/>
+              <a:t>Weekly or several times weekly</a:t>
+            </a:r>
+          </a:p>
+          <a:p>
+            <a:pPr lvl="1"/>
+            <a:r>
+              <a:rPr lang="en-US" sz="2000" dirty="0"/>
+              <a:t>Improvement shown after 18 sessions (30—45 min duration), 2-3 times per week</a:t>
+            </a:r>
+          </a:p>
+          <a:p>
+            <a:pPr lvl="1"/>
+            <a:r>
+              <a:rPr lang="en-US" sz="2000" dirty="0"/>
+              <a:t>Studies show significant effects of PA therapy offered between 10-27 hours of intervention</a:t>
+            </a:r>
+          </a:p>
+          <a:p>
+            <a:r>
+              <a:rPr lang="en-US" sz="2000" b="1" dirty="0"/>
+              <a:t>Because?</a:t>
+            </a:r>
+          </a:p>
+          <a:p>
+            <a:pPr lvl="1"/>
+            <a:r>
+              <a:rPr lang="en-US" sz="2000" dirty="0"/>
+              <a:t>Theoretical evidence</a:t>
+            </a:r>
+          </a:p>
+          <a:p>
+            <a:pPr lvl="2"/>
+            <a:r>
+              <a:rPr lang="en-US" dirty="0"/>
+              <a:t>Typical development of phonological awareness and phonological representations</a:t>
+            </a:r>
+          </a:p>
+          <a:p>
+            <a:pPr lvl="2"/>
+            <a:r>
+              <a:rPr lang="en-US" dirty="0"/>
+              <a:t>Phonological awareness and phonological representations in children with SSD</a:t>
+            </a:r>
+          </a:p>
+          <a:p>
+            <a:pPr lvl="2"/>
+            <a:r>
+              <a:rPr lang="en-US" dirty="0"/>
+              <a:t>Literacy and phonological awareness</a:t>
+            </a:r>
+          </a:p>
+          <a:p>
+            <a:pPr lvl="2"/>
+            <a:r>
+              <a:rPr lang="en-US" dirty="0"/>
+              <a:t>Literacy and phonological awareness with SSD</a:t>
+            </a:r>
+          </a:p>
+          <a:p>
+            <a:pPr lvl="3"/>
+            <a:r>
+              <a:rPr lang="en-US" sz="2000" dirty="0"/>
+              <a:t>Children with SSD at risk for literacy problems because of limited phonological processing and phonological representations</a:t>
+            </a:r>
+          </a:p>
+          <a:p>
+            <a:pPr lvl="3"/>
+            <a:r>
+              <a:rPr lang="en-US" sz="2000" dirty="0"/>
+              <a:t>If speech problems resolve early (before learning to read) and fundamental phoneme awareness skills are established, then child with SSD is likely to make progress in area of literacy</a:t>
+            </a:r>
+          </a:p>
+          <a:p>
+            <a:endParaRPr lang="en-US" dirty="0"/>
           </a:p>
         </p:txBody>
       </p:sp>
     </p:spTree>
     <p:extLst>
       <p:ext uri="{BB962C8B-B14F-4D97-AF65-F5344CB8AC3E}">
-        <p14:creationId xmlns:p14="http://schemas.microsoft.com/office/powerpoint/2010/main" val="1841396762"/>
+        <p14:creationId xmlns:p14="http://schemas.microsoft.com/office/powerpoint/2010/main" val="968542017"/>
       </p:ext>
     </p:extLst>
   </p:cSld>
@@ -14822,176 +14905,6 @@
             <p:ph type="title"/>
           </p:nvPr>
         </p:nvSpPr>
-        <p:spPr>
-          <a:xfrm>
-            <a:off x="2008094" y="134472"/>
-            <a:ext cx="7886700" cy="1325563"/>
-          </a:xfrm>
-        </p:spPr>
-        <p:txBody>
-          <a:bodyPr/>
-          <a:lstStyle/>
-          <a:p>
-            <a:r>
-              <a:rPr lang="en-US" b="1" dirty="0" err="1"/>
-              <a:t>Metaphonological</a:t>
-            </a:r>
-            <a:r>
-              <a:rPr lang="en-US" b="1" dirty="0"/>
-              <a:t> Intervention</a:t>
-            </a:r>
-            <a:endParaRPr lang="en-US" dirty="0"/>
-          </a:p>
-        </p:txBody>
-      </p:sp>
-      <p:sp>
-        <p:nvSpPr>
-          <p:cNvPr id="3" name="Content Placeholder 2"/>
-          <p:cNvSpPr>
-            <a:spLocks noGrp="1"/>
-          </p:cNvSpPr>
-          <p:nvPr>
-            <p:ph idx="1"/>
-          </p:nvPr>
-        </p:nvSpPr>
-        <p:spPr>
-          <a:xfrm>
-            <a:off x="2008094" y="1140438"/>
-            <a:ext cx="8031256" cy="5365376"/>
-          </a:xfrm>
-        </p:spPr>
-        <p:txBody>
-          <a:bodyPr>
-            <a:normAutofit fontScale="92500" lnSpcReduction="20000"/>
-          </a:bodyPr>
-          <a:lstStyle/>
-          <a:p>
-            <a:r>
-              <a:rPr lang="en-US" sz="2000" b="1" dirty="0"/>
-              <a:t>When should it be implemented, how long will it take?</a:t>
-            </a:r>
-          </a:p>
-          <a:p>
-            <a:pPr lvl="1"/>
-            <a:r>
-              <a:rPr lang="en-US" sz="2000" dirty="0"/>
-              <a:t>Weekly or several times weekly</a:t>
-            </a:r>
-          </a:p>
-          <a:p>
-            <a:pPr lvl="1"/>
-            <a:r>
-              <a:rPr lang="en-US" sz="2000" dirty="0"/>
-              <a:t>Improvement shown after 18 sessions (30—45 min duration), 2-3 times per week</a:t>
-            </a:r>
-          </a:p>
-          <a:p>
-            <a:pPr lvl="1"/>
-            <a:r>
-              <a:rPr lang="en-US" sz="2000" dirty="0"/>
-              <a:t>Studies show significant effects of PA therapy offered between 10-27 hours of intervention</a:t>
-            </a:r>
-          </a:p>
-          <a:p>
-            <a:r>
-              <a:rPr lang="en-US" sz="2000" b="1" dirty="0"/>
-              <a:t>Because?</a:t>
-            </a:r>
-          </a:p>
-          <a:p>
-            <a:pPr lvl="1"/>
-            <a:r>
-              <a:rPr lang="en-US" sz="2000" dirty="0"/>
-              <a:t>Theoretical evidence</a:t>
-            </a:r>
-          </a:p>
-          <a:p>
-            <a:pPr lvl="2"/>
-            <a:r>
-              <a:rPr lang="en-US" dirty="0"/>
-              <a:t>Typical development of phonological awareness and phonological representations</a:t>
-            </a:r>
-          </a:p>
-          <a:p>
-            <a:pPr lvl="2"/>
-            <a:r>
-              <a:rPr lang="en-US" dirty="0"/>
-              <a:t>Phonological awareness and phonological representations in children with SSD</a:t>
-            </a:r>
-          </a:p>
-          <a:p>
-            <a:pPr lvl="2"/>
-            <a:r>
-              <a:rPr lang="en-US" dirty="0"/>
-              <a:t>Literacy and phonological awareness</a:t>
-            </a:r>
-          </a:p>
-          <a:p>
-            <a:pPr lvl="2"/>
-            <a:r>
-              <a:rPr lang="en-US" dirty="0"/>
-              <a:t>Literacy and phonological awareness with SSD</a:t>
-            </a:r>
-          </a:p>
-          <a:p>
-            <a:pPr lvl="3"/>
-            <a:r>
-              <a:rPr lang="en-US" sz="2000" dirty="0"/>
-              <a:t>Children with SSD at risk for literacy problems because of limited phonological processing and phonological representations</a:t>
-            </a:r>
-          </a:p>
-          <a:p>
-            <a:pPr lvl="3"/>
-            <a:r>
-              <a:rPr lang="en-US" sz="2000" dirty="0"/>
-              <a:t>If speech problems resolve early (before learning to read) and fundamental phoneme awareness skills are established, then child with SSD is likely to make progress in area of literacy</a:t>
-            </a:r>
-          </a:p>
-          <a:p>
-            <a:endParaRPr lang="en-US" dirty="0"/>
-          </a:p>
-        </p:txBody>
-      </p:sp>
-    </p:spTree>
-    <p:extLst>
-      <p:ext uri="{BB962C8B-B14F-4D97-AF65-F5344CB8AC3E}">
-        <p14:creationId xmlns:p14="http://schemas.microsoft.com/office/powerpoint/2010/main" val="968542017"/>
-      </p:ext>
-    </p:extLst>
-  </p:cSld>
-  <p:clrMapOvr>
-    <a:masterClrMapping/>
-  </p:clrMapOvr>
-</p:sld>
-</file>
-
-<file path=ppt/slides/slide19.xml><?xml version="1.0" encoding="utf-8"?>
-<p:sld xmlns:a="http://schemas.openxmlformats.org/drawingml/2006/main" xmlns:r="http://schemas.openxmlformats.org/officeDocument/2006/relationships" xmlns:p="http://schemas.openxmlformats.org/presentationml/2006/main">
-  <p:cSld>
-    <p:spTree>
-      <p:nvGrpSpPr>
-        <p:cNvPr id="1" name=""/>
-        <p:cNvGrpSpPr/>
-        <p:nvPr/>
-      </p:nvGrpSpPr>
-      <p:grpSpPr>
-        <a:xfrm>
-          <a:off x="0" y="0"/>
-          <a:ext cx="0" cy="0"/>
-          <a:chOff x="0" y="0"/>
-          <a:chExt cx="0" cy="0"/>
-        </a:xfrm>
-      </p:grpSpPr>
-      <p:sp>
-        <p:nvSpPr>
-          <p:cNvPr id="2" name="Title 1"/>
-          <p:cNvSpPr>
-            <a:spLocks noGrp="1"/>
-          </p:cNvSpPr>
-          <p:nvPr>
-            <p:ph type="title"/>
-          </p:nvPr>
-        </p:nvSpPr>
         <p:spPr/>
         <p:txBody>
           <a:bodyPr/>
@@ -15111,191 +15024,7 @@
 </p:sld>
 </file>
 
-<file path=ppt/slides/slide2.xml><?xml version="1.0" encoding="utf-8"?>
-<p:sld xmlns:a="http://schemas.openxmlformats.org/drawingml/2006/main" xmlns:r="http://schemas.openxmlformats.org/officeDocument/2006/relationships" xmlns:p="http://schemas.openxmlformats.org/presentationml/2006/main">
-  <p:cSld>
-    <p:spTree>
-      <p:nvGrpSpPr>
-        <p:cNvPr id="1" name=""/>
-        <p:cNvGrpSpPr/>
-        <p:nvPr/>
-      </p:nvGrpSpPr>
-      <p:grpSpPr>
-        <a:xfrm>
-          <a:off x="0" y="0"/>
-          <a:ext cx="0" cy="0"/>
-          <a:chOff x="0" y="0"/>
-          <a:chExt cx="0" cy="0"/>
-        </a:xfrm>
-      </p:grpSpPr>
-      <p:sp>
-        <p:nvSpPr>
-          <p:cNvPr id="2" name="Title 1"/>
-          <p:cNvSpPr>
-            <a:spLocks noGrp="1"/>
-          </p:cNvSpPr>
-          <p:nvPr>
-            <p:ph type="title"/>
-          </p:nvPr>
-        </p:nvSpPr>
-        <p:spPr>
-          <a:xfrm>
-            <a:off x="1889760" y="1"/>
-            <a:ext cx="7886700" cy="1325563"/>
-          </a:xfrm>
-        </p:spPr>
-        <p:txBody>
-          <a:bodyPr/>
-          <a:lstStyle/>
-          <a:p>
-            <a:r>
-              <a:rPr lang="en-US" u="sng"/>
-              <a:t>Choosing a </a:t>
-            </a:r>
-            <a:r>
-              <a:rPr lang="en-US" u="sng">
-                <a:solidFill>
-                  <a:srgbClr val="7030A0"/>
-                </a:solidFill>
-              </a:rPr>
-              <a:t>Treatment Approach</a:t>
-            </a:r>
-          </a:p>
-        </p:txBody>
-      </p:sp>
-      <p:sp>
-        <p:nvSpPr>
-          <p:cNvPr id="3" name="Content Placeholder 2"/>
-          <p:cNvSpPr>
-            <a:spLocks noGrp="1"/>
-          </p:cNvSpPr>
-          <p:nvPr>
-            <p:ph idx="1"/>
-          </p:nvPr>
-        </p:nvSpPr>
-        <p:spPr>
-          <a:xfrm>
-            <a:off x="1889760" y="1102063"/>
-            <a:ext cx="8404753" cy="5594951"/>
-          </a:xfrm>
-        </p:spPr>
-        <p:txBody>
-          <a:bodyPr>
-            <a:normAutofit/>
-          </a:bodyPr>
-          <a:lstStyle/>
-          <a:p>
-            <a:pPr marL="0" indent="0">
-              <a:buNone/>
-            </a:pPr>
-            <a:r>
-              <a:rPr lang="en-US" sz="3200"/>
-              <a:t>When evaluating treatment approaches, you should strive to answer the following:</a:t>
-            </a:r>
-          </a:p>
-          <a:p>
-            <a:pPr lvl="1"/>
-            <a:r>
-              <a:rPr lang="en-US" sz="3200" b="1"/>
-              <a:t>What</a:t>
-            </a:r>
-            <a:r>
-              <a:rPr lang="en-US" sz="3200"/>
-              <a:t> is the intervention approach?</a:t>
-            </a:r>
-          </a:p>
-          <a:p>
-            <a:pPr lvl="1"/>
-            <a:r>
-              <a:rPr lang="en-US" sz="3200" b="1"/>
-              <a:t>Why</a:t>
-            </a:r>
-            <a:r>
-              <a:rPr lang="en-US" sz="3200"/>
-              <a:t> should it be used?</a:t>
-            </a:r>
-          </a:p>
-          <a:p>
-            <a:pPr lvl="1"/>
-            <a:r>
-              <a:rPr lang="en-US" sz="3200" b="1"/>
-              <a:t>Who</a:t>
-            </a:r>
-            <a:r>
-              <a:rPr lang="en-US" sz="3200"/>
-              <a:t> does it benefit?</a:t>
-            </a:r>
-          </a:p>
-          <a:p>
-            <a:pPr lvl="1"/>
-            <a:r>
-              <a:rPr lang="en-US" sz="3200" b="1"/>
-              <a:t>How</a:t>
-            </a:r>
-            <a:r>
-              <a:rPr lang="en-US" sz="3200"/>
-              <a:t> is it implemented?</a:t>
-            </a:r>
-          </a:p>
-          <a:p>
-            <a:pPr lvl="1"/>
-            <a:r>
-              <a:rPr lang="en-US" sz="3200" b="1"/>
-              <a:t>When</a:t>
-            </a:r>
-            <a:r>
-              <a:rPr lang="en-US" sz="3200"/>
-              <a:t> should it be used, how long will it take?</a:t>
-            </a:r>
-          </a:p>
-          <a:p>
-            <a:pPr lvl="1"/>
-            <a:r>
-              <a:rPr lang="en-US" sz="3200" b="1"/>
-              <a:t>Because</a:t>
-            </a:r>
-            <a:r>
-              <a:rPr lang="en-US" sz="3200"/>
-              <a:t>? What is the evidence behind it?</a:t>
-            </a:r>
-          </a:p>
-          <a:p>
-            <a:pPr lvl="2"/>
-            <a:r>
-              <a:rPr lang="en-US" sz="3200"/>
-              <a:t>derived from theory</a:t>
-            </a:r>
-          </a:p>
-          <a:p>
-            <a:pPr lvl="2"/>
-            <a:r>
-              <a:rPr lang="en-US" sz="3200"/>
-              <a:t>supported by research</a:t>
-            </a:r>
-          </a:p>
-          <a:p>
-            <a:pPr lvl="1"/>
-            <a:endParaRPr lang="en-US" sz="3200"/>
-          </a:p>
-          <a:p>
-            <a:endParaRPr lang="en-US" sz="3200"/>
-          </a:p>
-        </p:txBody>
-      </p:sp>
-    </p:spTree>
-    <p:extLst>
-      <p:ext uri="{BB962C8B-B14F-4D97-AF65-F5344CB8AC3E}">
-        <p14:creationId xmlns:p14="http://schemas.microsoft.com/office/powerpoint/2010/main" val="458979603"/>
-      </p:ext>
-    </p:extLst>
-  </p:cSld>
-  <p:clrMapOvr>
-    <a:masterClrMapping/>
-  </p:clrMapOvr>
-</p:sld>
-</file>
-
-<file path=ppt/slides/slide20.xml><?xml version="1.0" encoding="utf-8"?>
+<file path=ppt/slides/slide19.xml><?xml version="1.0" encoding="utf-8"?>
 <p:sld xmlns:a="http://schemas.openxmlformats.org/drawingml/2006/main" xmlns:r="http://schemas.openxmlformats.org/officeDocument/2006/relationships" xmlns:p="http://schemas.openxmlformats.org/presentationml/2006/main">
   <p:cSld>
     <p:spTree>
@@ -16162,7 +15891,191 @@
 </p:sld>
 </file>
 
-<file path=ppt/slides/slide21.xml><?xml version="1.0" encoding="utf-8"?>
+<file path=ppt/slides/slide2.xml><?xml version="1.0" encoding="utf-8"?>
+<p:sld xmlns:a="http://schemas.openxmlformats.org/drawingml/2006/main" xmlns:r="http://schemas.openxmlformats.org/officeDocument/2006/relationships" xmlns:p="http://schemas.openxmlformats.org/presentationml/2006/main">
+  <p:cSld>
+    <p:spTree>
+      <p:nvGrpSpPr>
+        <p:cNvPr id="1" name=""/>
+        <p:cNvGrpSpPr/>
+        <p:nvPr/>
+      </p:nvGrpSpPr>
+      <p:grpSpPr>
+        <a:xfrm>
+          <a:off x="0" y="0"/>
+          <a:ext cx="0" cy="0"/>
+          <a:chOff x="0" y="0"/>
+          <a:chExt cx="0" cy="0"/>
+        </a:xfrm>
+      </p:grpSpPr>
+      <p:sp>
+        <p:nvSpPr>
+          <p:cNvPr id="2" name="Title 1"/>
+          <p:cNvSpPr>
+            <a:spLocks noGrp="1"/>
+          </p:cNvSpPr>
+          <p:nvPr>
+            <p:ph type="title"/>
+          </p:nvPr>
+        </p:nvSpPr>
+        <p:spPr>
+          <a:xfrm>
+            <a:off x="1889760" y="1"/>
+            <a:ext cx="7886700" cy="1325563"/>
+          </a:xfrm>
+        </p:spPr>
+        <p:txBody>
+          <a:bodyPr/>
+          <a:lstStyle/>
+          <a:p>
+            <a:r>
+              <a:rPr lang="en-US" u="sng"/>
+              <a:t>Choosing a </a:t>
+            </a:r>
+            <a:r>
+              <a:rPr lang="en-US" u="sng">
+                <a:solidFill>
+                  <a:srgbClr val="7030A0"/>
+                </a:solidFill>
+              </a:rPr>
+              <a:t>Treatment Approach</a:t>
+            </a:r>
+          </a:p>
+        </p:txBody>
+      </p:sp>
+      <p:sp>
+        <p:nvSpPr>
+          <p:cNvPr id="3" name="Content Placeholder 2"/>
+          <p:cNvSpPr>
+            <a:spLocks noGrp="1"/>
+          </p:cNvSpPr>
+          <p:nvPr>
+            <p:ph idx="1"/>
+          </p:nvPr>
+        </p:nvSpPr>
+        <p:spPr>
+          <a:xfrm>
+            <a:off x="1889760" y="1102063"/>
+            <a:ext cx="8404753" cy="5594951"/>
+          </a:xfrm>
+        </p:spPr>
+        <p:txBody>
+          <a:bodyPr>
+            <a:normAutofit/>
+          </a:bodyPr>
+          <a:lstStyle/>
+          <a:p>
+            <a:pPr marL="0" indent="0">
+              <a:buNone/>
+            </a:pPr>
+            <a:r>
+              <a:rPr lang="en-US" sz="3200"/>
+              <a:t>When evaluating treatment approaches, you should strive to answer the following:</a:t>
+            </a:r>
+          </a:p>
+          <a:p>
+            <a:pPr lvl="1"/>
+            <a:r>
+              <a:rPr lang="en-US" sz="3200" b="1"/>
+              <a:t>What</a:t>
+            </a:r>
+            <a:r>
+              <a:rPr lang="en-US" sz="3200"/>
+              <a:t> is the intervention approach?</a:t>
+            </a:r>
+          </a:p>
+          <a:p>
+            <a:pPr lvl="1"/>
+            <a:r>
+              <a:rPr lang="en-US" sz="3200" b="1"/>
+              <a:t>Why</a:t>
+            </a:r>
+            <a:r>
+              <a:rPr lang="en-US" sz="3200"/>
+              <a:t> should it be used?</a:t>
+            </a:r>
+          </a:p>
+          <a:p>
+            <a:pPr lvl="1"/>
+            <a:r>
+              <a:rPr lang="en-US" sz="3200" b="1"/>
+              <a:t>Who</a:t>
+            </a:r>
+            <a:r>
+              <a:rPr lang="en-US" sz="3200"/>
+              <a:t> does it benefit?</a:t>
+            </a:r>
+          </a:p>
+          <a:p>
+            <a:pPr lvl="1"/>
+            <a:r>
+              <a:rPr lang="en-US" sz="3200" b="1"/>
+              <a:t>How</a:t>
+            </a:r>
+            <a:r>
+              <a:rPr lang="en-US" sz="3200"/>
+              <a:t> is it implemented?</a:t>
+            </a:r>
+          </a:p>
+          <a:p>
+            <a:pPr lvl="1"/>
+            <a:r>
+              <a:rPr lang="en-US" sz="3200" b="1"/>
+              <a:t>When</a:t>
+            </a:r>
+            <a:r>
+              <a:rPr lang="en-US" sz="3200"/>
+              <a:t> should it be used, how long will it take?</a:t>
+            </a:r>
+          </a:p>
+          <a:p>
+            <a:pPr lvl="1"/>
+            <a:r>
+              <a:rPr lang="en-US" sz="3200" b="1"/>
+              <a:t>Because</a:t>
+            </a:r>
+            <a:r>
+              <a:rPr lang="en-US" sz="3200"/>
+              <a:t>? What is the evidence behind it?</a:t>
+            </a:r>
+          </a:p>
+          <a:p>
+            <a:pPr lvl="2"/>
+            <a:r>
+              <a:rPr lang="en-US" sz="3200"/>
+              <a:t>derived from theory</a:t>
+            </a:r>
+          </a:p>
+          <a:p>
+            <a:pPr lvl="2"/>
+            <a:r>
+              <a:rPr lang="en-US" sz="3200"/>
+              <a:t>supported by research</a:t>
+            </a:r>
+          </a:p>
+          <a:p>
+            <a:pPr lvl="1"/>
+            <a:endParaRPr lang="en-US" sz="3200"/>
+          </a:p>
+          <a:p>
+            <a:endParaRPr lang="en-US" sz="3200"/>
+          </a:p>
+        </p:txBody>
+      </p:sp>
+    </p:spTree>
+    <p:extLst>
+      <p:ext uri="{BB962C8B-B14F-4D97-AF65-F5344CB8AC3E}">
+        <p14:creationId xmlns:p14="http://schemas.microsoft.com/office/powerpoint/2010/main" val="458979603"/>
+      </p:ext>
+    </p:extLst>
+  </p:cSld>
+  <p:clrMapOvr>
+    <a:masterClrMapping/>
+  </p:clrMapOvr>
+</p:sld>
+</file>
+
+<file path=ppt/slides/slide20.xml><?xml version="1.0" encoding="utf-8"?>
 <p:sld xmlns:a="http://schemas.openxmlformats.org/drawingml/2006/main" xmlns:r="http://schemas.openxmlformats.org/officeDocument/2006/relationships" xmlns:p="http://schemas.openxmlformats.org/presentationml/2006/main">
   <p:cSld>
     <p:spTree>
@@ -16575,7 +16488,7 @@
 </p:sld>
 </file>
 
-<file path=ppt/slides/slide22.xml><?xml version="1.0" encoding="utf-8"?>
+<file path=ppt/slides/slide21.xml><?xml version="1.0" encoding="utf-8"?>
 <p:sld xmlns:a="http://schemas.openxmlformats.org/drawingml/2006/main" xmlns:r="http://schemas.openxmlformats.org/officeDocument/2006/relationships" xmlns:p="http://schemas.openxmlformats.org/presentationml/2006/main">
   <p:cSld>
     <p:spTree>
@@ -16651,7 +16564,7 @@
 </p:sld>
 </file>
 
-<file path=ppt/slides/slide23.xml><?xml version="1.0" encoding="utf-8"?>
+<file path=ppt/slides/slide22.xml><?xml version="1.0" encoding="utf-8"?>
 <p:sld xmlns:a="http://schemas.openxmlformats.org/drawingml/2006/main" xmlns:r="http://schemas.openxmlformats.org/officeDocument/2006/relationships" xmlns:p="http://schemas.openxmlformats.org/presentationml/2006/main">
   <p:cSld>
     <p:spTree>
@@ -17078,7 +16991,7 @@
 </p:sld>
 </file>
 
-<file path=ppt/slides/slide24.xml><?xml version="1.0" encoding="utf-8"?>
+<file path=ppt/slides/slide23.xml><?xml version="1.0" encoding="utf-8"?>
 <p:sld xmlns:a="http://schemas.openxmlformats.org/drawingml/2006/main" xmlns:r="http://schemas.openxmlformats.org/officeDocument/2006/relationships" xmlns:p="http://schemas.openxmlformats.org/presentationml/2006/main">
   <p:cSld>
     <p:spTree>
@@ -17142,7 +17055,7 @@
         </p:nvGraphicFramePr>
         <p:xfrm>
           <a:off x="1964871" y="1288374"/>
-          <a:ext cx="8483208" cy="4362307"/>
+          <a:ext cx="8483208" cy="4325349"/>
         </p:xfrm>
         <a:graphic>
           <a:graphicData uri="http://schemas.openxmlformats.org/drawingml/2006/table">
@@ -18081,6 +17994,142 @@
 </p:sld>
 </file>
 
+<file path=ppt/slides/slide24.xml><?xml version="1.0" encoding="utf-8"?>
+<p:sld xmlns:a="http://schemas.openxmlformats.org/drawingml/2006/main" xmlns:r="http://schemas.openxmlformats.org/officeDocument/2006/relationships" xmlns:p="http://schemas.openxmlformats.org/presentationml/2006/main">
+  <p:cSld>
+    <p:spTree>
+      <p:nvGrpSpPr>
+        <p:cNvPr id="1" name=""/>
+        <p:cNvGrpSpPr/>
+        <p:nvPr/>
+      </p:nvGrpSpPr>
+      <p:grpSpPr>
+        <a:xfrm>
+          <a:off x="0" y="0"/>
+          <a:ext cx="0" cy="0"/>
+          <a:chOff x="0" y="0"/>
+          <a:chExt cx="0" cy="0"/>
+        </a:xfrm>
+      </p:grpSpPr>
+      <p:sp>
+        <p:nvSpPr>
+          <p:cNvPr id="2" name="TextBox 1">
+            <a:extLst>
+              <a:ext uri="{FF2B5EF4-FFF2-40B4-BE49-F238E27FC236}">
+                <a16:creationId xmlns:a16="http://schemas.microsoft.com/office/drawing/2014/main" id="{8C6DD81C-2FFF-DB40-B4DC-8DFB6720456B}"/>
+              </a:ext>
+            </a:extLst>
+          </p:cNvPr>
+          <p:cNvSpPr txBox="1"/>
+          <p:nvPr/>
+        </p:nvSpPr>
+        <p:spPr>
+          <a:xfrm>
+            <a:off x="2188029" y="413657"/>
+            <a:ext cx="1345240" cy="369332"/>
+          </a:xfrm>
+          <a:prstGeom prst="rect">
+            <a:avLst/>
+          </a:prstGeom>
+          <a:noFill/>
+        </p:spPr>
+        <p:txBody>
+          <a:bodyPr wrap="none" rtlCol="0">
+            <a:spAutoFit/>
+          </a:bodyPr>
+          <a:lstStyle/>
+          <a:p>
+            <a:r>
+              <a:rPr lang="en-US"/>
+              <a:t>Goal Editing</a:t>
+            </a:r>
+          </a:p>
+        </p:txBody>
+      </p:sp>
+      <p:sp>
+        <p:nvSpPr>
+          <p:cNvPr id="3" name="TextBox 2">
+            <a:extLst>
+              <a:ext uri="{FF2B5EF4-FFF2-40B4-BE49-F238E27FC236}">
+                <a16:creationId xmlns:a16="http://schemas.microsoft.com/office/drawing/2014/main" id="{8787DE16-C429-594A-BD24-DE018C504D3C}"/>
+              </a:ext>
+            </a:extLst>
+          </p:cNvPr>
+          <p:cNvSpPr txBox="1"/>
+          <p:nvPr/>
+        </p:nvSpPr>
+        <p:spPr>
+          <a:xfrm>
+            <a:off x="4563401" y="1861458"/>
+            <a:ext cx="3065198" cy="461665"/>
+          </a:xfrm>
+          <a:prstGeom prst="rect">
+            <a:avLst/>
+          </a:prstGeom>
+          <a:noFill/>
+        </p:spPr>
+        <p:txBody>
+          <a:bodyPr wrap="none" rtlCol="0">
+            <a:spAutoFit/>
+          </a:bodyPr>
+          <a:lstStyle/>
+          <a:p>
+            <a:pPr algn="ctr"/>
+            <a:r>
+              <a:rPr lang="en-US" sz="2400" dirty="0"/>
+              <a:t>High School AAC User:</a:t>
+            </a:r>
+          </a:p>
+        </p:txBody>
+      </p:sp>
+      <p:sp>
+        <p:nvSpPr>
+          <p:cNvPr id="4" name="TextBox 3">
+            <a:extLst>
+              <a:ext uri="{FF2B5EF4-FFF2-40B4-BE49-F238E27FC236}">
+                <a16:creationId xmlns:a16="http://schemas.microsoft.com/office/drawing/2014/main" id="{764C6E02-2DFE-6B45-9618-6AC5556A4493}"/>
+              </a:ext>
+            </a:extLst>
+          </p:cNvPr>
+          <p:cNvSpPr txBox="1"/>
+          <p:nvPr/>
+        </p:nvSpPr>
+        <p:spPr>
+          <a:xfrm>
+            <a:off x="2286001" y="2623456"/>
+            <a:ext cx="7979228" cy="2308324"/>
+          </a:xfrm>
+          <a:prstGeom prst="rect">
+            <a:avLst/>
+          </a:prstGeom>
+          <a:noFill/>
+        </p:spPr>
+        <p:txBody>
+          <a:bodyPr wrap="square" rtlCol="0">
+            <a:spAutoFit/>
+          </a:bodyPr>
+          <a:lstStyle/>
+          <a:p>
+            <a:r>
+              <a:rPr lang="en-US" sz="3600" dirty="0"/>
+              <a:t>Regan will ask an on-topic and appropriate question of a communication partner or peer given an indirect verbal prompt.</a:t>
+            </a:r>
+          </a:p>
+        </p:txBody>
+      </p:sp>
+    </p:spTree>
+    <p:extLst>
+      <p:ext uri="{BB962C8B-B14F-4D97-AF65-F5344CB8AC3E}">
+        <p14:creationId xmlns:p14="http://schemas.microsoft.com/office/powerpoint/2010/main" val="1628236767"/>
+      </p:ext>
+    </p:extLst>
+  </p:cSld>
+  <p:clrMapOvr>
+    <a:masterClrMapping/>
+  </p:clrMapOvr>
+</p:sld>
+</file>
+
 <file path=ppt/slides/slide25.xml><?xml version="1.0" encoding="utf-8"?>
 <p:sld xmlns:a="http://schemas.openxmlformats.org/drawingml/2006/main" xmlns:r="http://schemas.openxmlformats.org/officeDocument/2006/relationships" xmlns:p="http://schemas.openxmlformats.org/presentationml/2006/main">
   <p:cSld>
@@ -18147,8 +18196,8 @@
         </p:nvSpPr>
         <p:spPr>
           <a:xfrm>
-            <a:off x="4563401" y="1861458"/>
-            <a:ext cx="3065198" cy="461665"/>
+            <a:off x="4449760" y="1774373"/>
+            <a:ext cx="2913746" cy="461665"/>
           </a:xfrm>
           <a:prstGeom prst="rect">
             <a:avLst/>
@@ -18164,7 +18213,7 @@
             <a:pPr algn="ctr"/>
             <a:r>
               <a:rPr lang="en-US" sz="2400" dirty="0"/>
-              <a:t>High School AAC User:</a:t>
+              <a:t>Preschooler with SSD:</a:t>
             </a:r>
           </a:p>
         </p:txBody>
@@ -18199,7 +18248,7 @@
           <a:p>
             <a:r>
               <a:rPr lang="en-US" sz="3600" dirty="0"/>
-              <a:t>Regan will ask an on-topic and appropriate question of a communication partner or peer given an indirect verbal prompt.</a:t>
+              <a:t>By May 2021, Sara will produce final consonants in CVC (consonant-vowel-consonant) words with 100% accuracy from a baseline of 30%.</a:t>
             </a:r>
           </a:p>
         </p:txBody>
@@ -18207,7 +18256,7 @@
     </p:spTree>
     <p:extLst>
       <p:ext uri="{BB962C8B-B14F-4D97-AF65-F5344CB8AC3E}">
-        <p14:creationId xmlns:p14="http://schemas.microsoft.com/office/powerpoint/2010/main" val="1628236767"/>
+        <p14:creationId xmlns:p14="http://schemas.microsoft.com/office/powerpoint/2010/main" val="2078275105"/>
       </p:ext>
     </p:extLst>
   </p:cSld>
@@ -18283,8 +18332,8 @@
         </p:nvSpPr>
         <p:spPr>
           <a:xfrm>
-            <a:off x="4449760" y="1774373"/>
-            <a:ext cx="2913746" cy="461665"/>
+            <a:off x="4495769" y="1774373"/>
+            <a:ext cx="2821735" cy="461665"/>
           </a:xfrm>
           <a:prstGeom prst="rect">
             <a:avLst/>
@@ -18300,7 +18349,7 @@
             <a:pPr algn="ctr"/>
             <a:r>
               <a:rPr lang="en-US" sz="2400" dirty="0"/>
-              <a:t>Preschooler with SSD:</a:t>
+              <a:t>School-age Stutterer:</a:t>
             </a:r>
           </a:p>
         </p:txBody>
@@ -18319,8 +18368,8 @@
         </p:nvSpPr>
         <p:spPr>
           <a:xfrm>
-            <a:off x="2286001" y="2623456"/>
-            <a:ext cx="7979228" cy="2308324"/>
+            <a:off x="2286001" y="2715123"/>
+            <a:ext cx="7979228" cy="1754326"/>
           </a:xfrm>
           <a:prstGeom prst="rect">
             <a:avLst/>
@@ -18335,7 +18384,7 @@
           <a:p>
             <a:r>
               <a:rPr lang="en-US" sz="3600" dirty="0"/>
-              <a:t>By May 2021, Sara will produce final consonants in CVC (consonant-vowel-consonant) words with 100% accuracy from a baseline of 30%.</a:t>
+              <a:t>By December 2021, Juan will reduce avoidance of speaking by independently volunteering to answer questions in class.</a:t>
             </a:r>
           </a:p>
         </p:txBody>
@@ -18343,7 +18392,7 @@
     </p:spTree>
     <p:extLst>
       <p:ext uri="{BB962C8B-B14F-4D97-AF65-F5344CB8AC3E}">
-        <p14:creationId xmlns:p14="http://schemas.microsoft.com/office/powerpoint/2010/main" val="2078275105"/>
+        <p14:creationId xmlns:p14="http://schemas.microsoft.com/office/powerpoint/2010/main" val="3287542040"/>
       </p:ext>
     </p:extLst>
   </p:cSld>
@@ -18419,8 +18468,8 @@
         </p:nvSpPr>
         <p:spPr>
           <a:xfrm>
-            <a:off x="4495769" y="1774373"/>
-            <a:ext cx="2821735" cy="461665"/>
+            <a:off x="2581434" y="1774373"/>
+            <a:ext cx="6650410" cy="461665"/>
           </a:xfrm>
           <a:prstGeom prst="rect">
             <a:avLst/>
@@ -18436,7 +18485,7 @@
             <a:pPr algn="ctr"/>
             <a:r>
               <a:rPr lang="en-US" sz="2400" dirty="0"/>
-              <a:t>School-age Stutterer:</a:t>
+              <a:t>12-year-old with Language and Learning disabilities:</a:t>
             </a:r>
           </a:p>
         </p:txBody>
@@ -18455,7 +18504,7 @@
         </p:nvSpPr>
         <p:spPr>
           <a:xfrm>
-            <a:off x="2286001" y="2715123"/>
+            <a:off x="2286001" y="2623456"/>
             <a:ext cx="7979228" cy="1754326"/>
           </a:xfrm>
           <a:prstGeom prst="rect">
@@ -18471,7 +18520,7 @@
           <a:p>
             <a:r>
               <a:rPr lang="en-US" sz="3600" dirty="0"/>
-              <a:t>By December 2021, Juan will reduce avoidance of speaking by independently volunteering to answer questions in class.</a:t>
+              <a:t>After listening to a paragraph of informational text, Leilani will successfully verbally summarize.</a:t>
             </a:r>
           </a:p>
         </p:txBody>
@@ -18479,7 +18528,7 @@
     </p:spTree>
     <p:extLst>
       <p:ext uri="{BB962C8B-B14F-4D97-AF65-F5344CB8AC3E}">
-        <p14:creationId xmlns:p14="http://schemas.microsoft.com/office/powerpoint/2010/main" val="3287542040"/>
+        <p14:creationId xmlns:p14="http://schemas.microsoft.com/office/powerpoint/2010/main" val="3147023674"/>
       </p:ext>
     </p:extLst>
   </p:cSld>
@@ -18555,8 +18604,8 @@
         </p:nvSpPr>
         <p:spPr>
           <a:xfrm>
-            <a:off x="2581434" y="1774373"/>
-            <a:ext cx="6650410" cy="461665"/>
+            <a:off x="4596030" y="1774373"/>
+            <a:ext cx="2621230" cy="461665"/>
           </a:xfrm>
           <a:prstGeom prst="rect">
             <a:avLst/>
@@ -18572,7 +18621,7 @@
             <a:pPr algn="ctr"/>
             <a:r>
               <a:rPr lang="en-US" sz="2400" dirty="0"/>
-              <a:t>12-year-old with Language and Learning disabilities:</a:t>
+              <a:t>Adult with Aphasia:</a:t>
             </a:r>
           </a:p>
         </p:txBody>
@@ -18592,7 +18641,7 @@
         <p:spPr>
           <a:xfrm>
             <a:off x="2286001" y="2623456"/>
-            <a:ext cx="7979228" cy="1754326"/>
+            <a:ext cx="7979228" cy="2308324"/>
           </a:xfrm>
           <a:prstGeom prst="rect">
             <a:avLst/>
@@ -18607,7 +18656,7 @@
           <a:p>
             <a:r>
               <a:rPr lang="en-US" sz="3600" dirty="0"/>
-              <a:t>After listening to a paragraph of informational text, Leilani will successfully verbally summarize.</a:t>
+              <a:t>By August 2021, Bailey will independently use his smartphone to take a photo and later access the photo to initiate a conversation.</a:t>
             </a:r>
           </a:p>
         </p:txBody>
@@ -18615,7 +18664,7 @@
     </p:spTree>
     <p:extLst>
       <p:ext uri="{BB962C8B-B14F-4D97-AF65-F5344CB8AC3E}">
-        <p14:creationId xmlns:p14="http://schemas.microsoft.com/office/powerpoint/2010/main" val="3147023674"/>
+        <p14:creationId xmlns:p14="http://schemas.microsoft.com/office/powerpoint/2010/main" val="3905711836"/>
       </p:ext>
     </p:extLst>
   </p:cSld>
@@ -18691,8 +18740,8 @@
         </p:nvSpPr>
         <p:spPr>
           <a:xfrm>
-            <a:off x="4596030" y="1774373"/>
-            <a:ext cx="2621230" cy="461665"/>
+            <a:off x="4439355" y="1774373"/>
+            <a:ext cx="2934586" cy="461665"/>
           </a:xfrm>
           <a:prstGeom prst="rect">
             <a:avLst/>
@@ -18708,7 +18757,7 @@
             <a:pPr algn="ctr"/>
             <a:r>
               <a:rPr lang="en-US" sz="2400" dirty="0"/>
-              <a:t>Adult with Aphasia:</a:t>
+              <a:t>Preschooler with ASD:</a:t>
             </a:r>
           </a:p>
         </p:txBody>
@@ -18727,8 +18776,8 @@
         </p:nvSpPr>
         <p:spPr>
           <a:xfrm>
-            <a:off x="2286001" y="2623456"/>
-            <a:ext cx="7979228" cy="2308324"/>
+            <a:off x="2286001" y="2623457"/>
+            <a:ext cx="7979228" cy="1200329"/>
           </a:xfrm>
           <a:prstGeom prst="rect">
             <a:avLst/>
@@ -18743,7 +18792,7 @@
           <a:p>
             <a:r>
               <a:rPr lang="en-US" sz="3600" dirty="0"/>
-              <a:t>By August 2021, Bailey will independently use his smartphone to take a photo and later access the photo to initiate a conversation.</a:t>
+              <a:t>Darius will request help in 4 of 5 obligatory contexts by September 2021.</a:t>
             </a:r>
           </a:p>
         </p:txBody>
@@ -18751,7 +18800,7 @@
     </p:spTree>
     <p:extLst>
       <p:ext uri="{BB962C8B-B14F-4D97-AF65-F5344CB8AC3E}">
-        <p14:creationId xmlns:p14="http://schemas.microsoft.com/office/powerpoint/2010/main" val="3905711836"/>
+        <p14:creationId xmlns:p14="http://schemas.microsoft.com/office/powerpoint/2010/main" val="2449228105"/>
       </p:ext>
     </p:extLst>
   </p:cSld>
@@ -18799,7 +18848,7 @@
                   <a:srgbClr val="FF0000"/>
                 </a:solidFill>
               </a:rPr>
-              <a:t>Activity #2:  Briefly describe the following approaches</a:t>
+              <a:t>Discussion Questions for today’s activities</a:t>
             </a:r>
           </a:p>
         </p:txBody>
@@ -18907,142 +18956,6 @@
     <p:extLst>
       <p:ext uri="{BB962C8B-B14F-4D97-AF65-F5344CB8AC3E}">
         <p14:creationId xmlns:p14="http://schemas.microsoft.com/office/powerpoint/2010/main" val="3574618320"/>
-      </p:ext>
-    </p:extLst>
-  </p:cSld>
-  <p:clrMapOvr>
-    <a:masterClrMapping/>
-  </p:clrMapOvr>
-</p:sld>
-</file>
-
-<file path=ppt/slides/slide30.xml><?xml version="1.0" encoding="utf-8"?>
-<p:sld xmlns:a="http://schemas.openxmlformats.org/drawingml/2006/main" xmlns:r="http://schemas.openxmlformats.org/officeDocument/2006/relationships" xmlns:p="http://schemas.openxmlformats.org/presentationml/2006/main">
-  <p:cSld>
-    <p:spTree>
-      <p:nvGrpSpPr>
-        <p:cNvPr id="1" name=""/>
-        <p:cNvGrpSpPr/>
-        <p:nvPr/>
-      </p:nvGrpSpPr>
-      <p:grpSpPr>
-        <a:xfrm>
-          <a:off x="0" y="0"/>
-          <a:ext cx="0" cy="0"/>
-          <a:chOff x="0" y="0"/>
-          <a:chExt cx="0" cy="0"/>
-        </a:xfrm>
-      </p:grpSpPr>
-      <p:sp>
-        <p:nvSpPr>
-          <p:cNvPr id="2" name="TextBox 1">
-            <a:extLst>
-              <a:ext uri="{FF2B5EF4-FFF2-40B4-BE49-F238E27FC236}">
-                <a16:creationId xmlns:a16="http://schemas.microsoft.com/office/drawing/2014/main" id="{8C6DD81C-2FFF-DB40-B4DC-8DFB6720456B}"/>
-              </a:ext>
-            </a:extLst>
-          </p:cNvPr>
-          <p:cNvSpPr txBox="1"/>
-          <p:nvPr/>
-        </p:nvSpPr>
-        <p:spPr>
-          <a:xfrm>
-            <a:off x="2188029" y="413657"/>
-            <a:ext cx="1345240" cy="369332"/>
-          </a:xfrm>
-          <a:prstGeom prst="rect">
-            <a:avLst/>
-          </a:prstGeom>
-          <a:noFill/>
-        </p:spPr>
-        <p:txBody>
-          <a:bodyPr wrap="none" rtlCol="0">
-            <a:spAutoFit/>
-          </a:bodyPr>
-          <a:lstStyle/>
-          <a:p>
-            <a:r>
-              <a:rPr lang="en-US"/>
-              <a:t>Goal Editing</a:t>
-            </a:r>
-          </a:p>
-        </p:txBody>
-      </p:sp>
-      <p:sp>
-        <p:nvSpPr>
-          <p:cNvPr id="3" name="TextBox 2">
-            <a:extLst>
-              <a:ext uri="{FF2B5EF4-FFF2-40B4-BE49-F238E27FC236}">
-                <a16:creationId xmlns:a16="http://schemas.microsoft.com/office/drawing/2014/main" id="{8787DE16-C429-594A-BD24-DE018C504D3C}"/>
-              </a:ext>
-            </a:extLst>
-          </p:cNvPr>
-          <p:cNvSpPr txBox="1"/>
-          <p:nvPr/>
-        </p:nvSpPr>
-        <p:spPr>
-          <a:xfrm>
-            <a:off x="4439355" y="1774373"/>
-            <a:ext cx="2934586" cy="461665"/>
-          </a:xfrm>
-          <a:prstGeom prst="rect">
-            <a:avLst/>
-          </a:prstGeom>
-          <a:noFill/>
-        </p:spPr>
-        <p:txBody>
-          <a:bodyPr wrap="none" rtlCol="0">
-            <a:spAutoFit/>
-          </a:bodyPr>
-          <a:lstStyle/>
-          <a:p>
-            <a:pPr algn="ctr"/>
-            <a:r>
-              <a:rPr lang="en-US" sz="2400" dirty="0"/>
-              <a:t>Preschooler with ASD:</a:t>
-            </a:r>
-          </a:p>
-        </p:txBody>
-      </p:sp>
-      <p:sp>
-        <p:nvSpPr>
-          <p:cNvPr id="4" name="TextBox 3">
-            <a:extLst>
-              <a:ext uri="{FF2B5EF4-FFF2-40B4-BE49-F238E27FC236}">
-                <a16:creationId xmlns:a16="http://schemas.microsoft.com/office/drawing/2014/main" id="{764C6E02-2DFE-6B45-9618-6AC5556A4493}"/>
-              </a:ext>
-            </a:extLst>
-          </p:cNvPr>
-          <p:cNvSpPr txBox="1"/>
-          <p:nvPr/>
-        </p:nvSpPr>
-        <p:spPr>
-          <a:xfrm>
-            <a:off x="2286001" y="2623457"/>
-            <a:ext cx="7979228" cy="1200329"/>
-          </a:xfrm>
-          <a:prstGeom prst="rect">
-            <a:avLst/>
-          </a:prstGeom>
-          <a:noFill/>
-        </p:spPr>
-        <p:txBody>
-          <a:bodyPr wrap="square" rtlCol="0">
-            <a:spAutoFit/>
-          </a:bodyPr>
-          <a:lstStyle/>
-          <a:p>
-            <a:r>
-              <a:rPr lang="en-US" sz="3600" dirty="0"/>
-              <a:t>Darius will request help in 4 of 5 obligatory contexts by September 2021.</a:t>
-            </a:r>
-          </a:p>
-        </p:txBody>
-      </p:sp>
-    </p:spTree>
-    <p:extLst>
-      <p:ext uri="{BB962C8B-B14F-4D97-AF65-F5344CB8AC3E}">
-        <p14:creationId xmlns:p14="http://schemas.microsoft.com/office/powerpoint/2010/main" val="2449228105"/>
       </p:ext>
     </p:extLst>
   </p:cSld>
@@ -19797,19 +19710,25 @@
         </p:nvSpPr>
         <p:spPr>
           <a:xfrm>
-            <a:off x="1779163" y="1"/>
-            <a:ext cx="7886700" cy="1325563"/>
+            <a:off x="1117600" y="1"/>
+            <a:ext cx="9389035" cy="1325563"/>
           </a:xfrm>
         </p:spPr>
         <p:txBody>
-          <a:bodyPr/>
+          <a:bodyPr>
+            <a:normAutofit/>
+          </a:bodyPr>
           <a:lstStyle/>
           <a:p>
             <a:r>
-              <a:rPr lang="en-US" b="1"/>
-              <a:t>Phonological Pattern Remediation: Cycles</a:t>
-            </a:r>
-            <a:endParaRPr lang="en-US"/>
+              <a:rPr lang="en-US" sz="3200" b="1" dirty="0"/>
+              <a:t>Phonological</a:t>
+            </a:r>
+            <a:r>
+              <a:rPr lang="en-US" sz="3600" b="1" dirty="0"/>
+              <a:t> Pattern Remediation: Cycles</a:t>
+            </a:r>
+            <a:endParaRPr lang="en-US" sz="3600" dirty="0"/>
           </a:p>
         </p:txBody>
       </p:sp>
@@ -19836,88 +19755,88 @@
           <a:lstStyle/>
           <a:p>
             <a:r>
-              <a:rPr lang="en-US" sz="2000" b="1"/>
+              <a:rPr lang="en-US" sz="2000" b="1" dirty="0"/>
               <a:t>When should it be implemented, how long will it take?</a:t>
             </a:r>
           </a:p>
           <a:p>
             <a:pPr lvl="1"/>
             <a:r>
-              <a:rPr lang="en-US" sz="2000"/>
+              <a:rPr lang="en-US" sz="2000" dirty="0"/>
               <a:t>60 minutes a week</a:t>
             </a:r>
           </a:p>
           <a:p>
             <a:pPr lvl="1"/>
             <a:r>
-              <a:rPr lang="en-US" sz="2000"/>
+              <a:rPr lang="en-US" sz="2000" dirty="0"/>
               <a:t>Preschoolers have become intelligible within a year</a:t>
             </a:r>
           </a:p>
           <a:p>
             <a:r>
-              <a:rPr lang="en-US" sz="2000" b="1"/>
+              <a:rPr lang="en-US" sz="2000" b="1" dirty="0"/>
               <a:t>Because?</a:t>
             </a:r>
           </a:p>
           <a:p>
             <a:pPr lvl="1"/>
             <a:r>
-              <a:rPr lang="en-US" sz="2000"/>
+              <a:rPr lang="en-US" sz="2000" dirty="0"/>
               <a:t>Theoretical evidence</a:t>
             </a:r>
           </a:p>
           <a:p>
             <a:pPr lvl="2"/>
             <a:r>
-              <a:rPr lang="en-US"/>
+              <a:rPr lang="en-US" dirty="0"/>
               <a:t>Gestural phonology theory- phonological representation influences speech perception and production constraints</a:t>
             </a:r>
           </a:p>
           <a:p>
             <a:pPr lvl="2"/>
             <a:r>
-              <a:rPr lang="en-US"/>
+              <a:rPr lang="en-US" dirty="0"/>
               <a:t>Phonological acquisition is gradual process (Ingram, 1976)-typically developing children explore speech sounds and acquire correct productions over time</a:t>
             </a:r>
           </a:p>
           <a:p>
             <a:pPr lvl="2"/>
             <a:r>
-              <a:rPr lang="en-US"/>
+              <a:rPr lang="en-US" dirty="0"/>
               <a:t>Children with normal hearing usually acquire adult sound system through listening (Van Riper, 1939)</a:t>
             </a:r>
           </a:p>
           <a:p>
             <a:pPr lvl="2"/>
             <a:r>
-              <a:rPr lang="en-US"/>
+              <a:rPr lang="en-US" dirty="0"/>
               <a:t>Children associate kinesthetic and auditory sensations as they acquire new patterns, allowing for later self-monitoring (Fairbanks, 1954)</a:t>
             </a:r>
           </a:p>
           <a:p>
             <a:pPr lvl="2"/>
             <a:r>
-              <a:rPr lang="en-US"/>
+              <a:rPr lang="en-US" dirty="0"/>
               <a:t>Children are actively involved in treatment</a:t>
             </a:r>
           </a:p>
           <a:p>
             <a:pPr lvl="2"/>
             <a:r>
-              <a:rPr lang="en-US"/>
+              <a:rPr lang="en-US" dirty="0"/>
               <a:t>Children tend to generalize new speech production skills to other targets (McReynolds &amp; Bennett, 1972)</a:t>
             </a:r>
           </a:p>
           <a:p>
             <a:pPr lvl="2"/>
             <a:r>
-              <a:rPr lang="en-US"/>
+              <a:rPr lang="en-US" dirty="0"/>
               <a:t>Identify optimal match and ZPD (Hunt, 1961; Vygotsky, 1962)</a:t>
             </a:r>
           </a:p>
           <a:p>
-            <a:endParaRPr lang="en-US"/>
+            <a:endParaRPr lang="en-US" dirty="0"/>
           </a:p>
         </p:txBody>
       </p:sp>
@@ -19968,14 +19887,16 @@
           </a:xfrm>
         </p:spPr>
         <p:txBody>
-          <a:bodyPr/>
+          <a:bodyPr>
+            <a:normAutofit/>
+          </a:bodyPr>
           <a:lstStyle/>
           <a:p>
             <a:r>
-              <a:rPr lang="en-US" b="1"/>
+              <a:rPr lang="en-US" sz="3600" b="1" dirty="0"/>
               <a:t>Phonological Pattern Remediation: Cycles</a:t>
             </a:r>
-            <a:endParaRPr lang="en-US"/>
+            <a:endParaRPr lang="en-US" sz="3600" dirty="0"/>
           </a:p>
         </p:txBody>
       </p:sp>
@@ -19991,7 +19912,7 @@
         </p:nvSpPr>
         <p:spPr>
           <a:xfrm>
-            <a:off x="1674312" y="914401"/>
+            <a:off x="1659668" y="1140179"/>
             <a:ext cx="8872664" cy="5809129"/>
           </a:xfrm>
         </p:spPr>
